--- a/Courses/Software-Sciences/Module-1-OOP-New/14-Delegates-and-Events/14-Delegates-and-Events.pptx
+++ b/Courses/Software-Sciences/Module-1-OOP-New/14-Delegates-and-Events/14-Delegates-and-Events.pptx
@@ -325,7 +325,7 @@
           <a:p>
             <a:fld id="{4E087215-0C8F-4762-A664-737A353EC9A4}" type="datetimeFigureOut">
               <a:rPr lang="bg-BG" smtClean="0"/>
-              <a:t>4.01.23 г.</a:t>
+              <a:t>13.01.23 г.</a:t>
             </a:fld>
             <a:endParaRPr lang="bg-BG"/>
           </a:p>
@@ -516,7 +516,7 @@
           <a:p>
             <a:fld id="{72D84649-876A-46C9-8472-14CB09C070D8}" type="datetimeFigureOut">
               <a:rPr lang="en-US" smtClean="0"/>
-              <a:t>1/4/23</a:t>
+              <a:t>1/13/23</a:t>
             </a:fld>
             <a:endParaRPr lang="en-US"/>
           </a:p>
@@ -938,6 +938,247 @@
 </p:notes>
 </file>
 
+<file path=ppt/notesSlides/notesSlide10.xml><?xml version="1.0" encoding="utf-8"?>
+<p:notes xmlns:a="http://schemas.openxmlformats.org/drawingml/2006/main" xmlns:r="http://schemas.openxmlformats.org/officeDocument/2006/relationships" xmlns:p="http://schemas.openxmlformats.org/presentationml/2006/main">
+  <p:cSld>
+    <p:spTree>
+      <p:nvGrpSpPr>
+        <p:cNvPr id="1" name=""/>
+        <p:cNvGrpSpPr/>
+        <p:nvPr/>
+      </p:nvGrpSpPr>
+      <p:grpSpPr>
+        <a:xfrm>
+          <a:off x="0" y="0"/>
+          <a:ext cx="0" cy="0"/>
+          <a:chOff x="0" y="0"/>
+          <a:chExt cx="0" cy="0"/>
+        </a:xfrm>
+      </p:grpSpPr>
+      <p:sp>
+        <p:nvSpPr>
+          <p:cNvPr id="2" name="Slide Image Placeholder 1"/>
+          <p:cNvSpPr>
+            <a:spLocks noGrp="1" noRot="1" noChangeAspect="1"/>
+          </p:cNvSpPr>
+          <p:nvPr>
+            <p:ph type="sldImg"/>
+          </p:nvPr>
+        </p:nvSpPr>
+        <p:spPr/>
+      </p:sp>
+      <p:sp>
+        <p:nvSpPr>
+          <p:cNvPr id="3" name="Notes Placeholder 2"/>
+          <p:cNvSpPr>
+            <a:spLocks noGrp="1"/>
+          </p:cNvSpPr>
+          <p:nvPr>
+            <p:ph type="body" idx="1"/>
+          </p:nvPr>
+        </p:nvSpPr>
+        <p:spPr/>
+        <p:txBody>
+          <a:bodyPr/>
+          <a:lstStyle/>
+          <a:p>
+            <a:endParaRPr lang="en-US"/>
+          </a:p>
+        </p:txBody>
+      </p:sp>
+      <p:sp>
+        <p:nvSpPr>
+          <p:cNvPr id="6" name="Slide Number Placeholder 5">
+            <a:extLst>
+              <a:ext uri="{FF2B5EF4-FFF2-40B4-BE49-F238E27FC236}">
+                <a16:creationId xmlns:a16="http://schemas.microsoft.com/office/drawing/2014/main" id="{6627548A-4D3C-449B-81A5-FA4BE4628490}"/>
+              </a:ext>
+            </a:extLst>
+          </p:cNvPr>
+          <p:cNvSpPr txBox="1">
+            <a:spLocks/>
+          </p:cNvSpPr>
+          <p:nvPr/>
+        </p:nvSpPr>
+        <p:spPr>
+          <a:xfrm>
+            <a:off x="6488999" y="8847000"/>
+            <a:ext cx="367414" cy="297000"/>
+          </a:xfrm>
+          <a:prstGeom prst="rect">
+            <a:avLst/>
+          </a:prstGeom>
+        </p:spPr>
+        <p:txBody>
+          <a:bodyPr vert="horz" lIns="91440" tIns="45720" rIns="91440" bIns="45720" rtlCol="0" anchor="b"/>
+          <a:lstStyle>
+            <a:defPPr>
+              <a:defRPr lang="en-US"/>
+            </a:defPPr>
+            <a:lvl1pPr marL="0" algn="r" defTabSz="914400" rtl="0" eaLnBrk="1" latinLnBrk="0" hangingPunct="1">
+              <a:defRPr sz="1200" kern="1200">
+                <a:solidFill>
+                  <a:schemeClr val="tx1"/>
+                </a:solidFill>
+                <a:latin typeface="+mn-lt"/>
+                <a:ea typeface="+mn-ea"/>
+                <a:cs typeface="+mn-cs"/>
+              </a:defRPr>
+            </a:lvl1pPr>
+            <a:lvl2pPr marL="457200" algn="l" defTabSz="914400" rtl="0" eaLnBrk="1" latinLnBrk="0" hangingPunct="1">
+              <a:defRPr sz="1800" kern="1200">
+                <a:solidFill>
+                  <a:schemeClr val="tx1"/>
+                </a:solidFill>
+                <a:latin typeface="+mn-lt"/>
+                <a:ea typeface="+mn-ea"/>
+                <a:cs typeface="+mn-cs"/>
+              </a:defRPr>
+            </a:lvl2pPr>
+            <a:lvl3pPr marL="914400" algn="l" defTabSz="914400" rtl="0" eaLnBrk="1" latinLnBrk="0" hangingPunct="1">
+              <a:defRPr sz="1800" kern="1200">
+                <a:solidFill>
+                  <a:schemeClr val="tx1"/>
+                </a:solidFill>
+                <a:latin typeface="+mn-lt"/>
+                <a:ea typeface="+mn-ea"/>
+                <a:cs typeface="+mn-cs"/>
+              </a:defRPr>
+            </a:lvl3pPr>
+            <a:lvl4pPr marL="1371600" algn="l" defTabSz="914400" rtl="0" eaLnBrk="1" latinLnBrk="0" hangingPunct="1">
+              <a:defRPr sz="1800" kern="1200">
+                <a:solidFill>
+                  <a:schemeClr val="tx1"/>
+                </a:solidFill>
+                <a:latin typeface="+mn-lt"/>
+                <a:ea typeface="+mn-ea"/>
+                <a:cs typeface="+mn-cs"/>
+              </a:defRPr>
+            </a:lvl4pPr>
+            <a:lvl5pPr marL="1828800" algn="l" defTabSz="914400" rtl="0" eaLnBrk="1" latinLnBrk="0" hangingPunct="1">
+              <a:defRPr sz="1800" kern="1200">
+                <a:solidFill>
+                  <a:schemeClr val="tx1"/>
+                </a:solidFill>
+                <a:latin typeface="+mn-lt"/>
+                <a:ea typeface="+mn-ea"/>
+                <a:cs typeface="+mn-cs"/>
+              </a:defRPr>
+            </a:lvl5pPr>
+            <a:lvl6pPr marL="2286000" algn="l" defTabSz="914400" rtl="0" eaLnBrk="1" latinLnBrk="0" hangingPunct="1">
+              <a:defRPr sz="1800" kern="1200">
+                <a:solidFill>
+                  <a:schemeClr val="tx1"/>
+                </a:solidFill>
+                <a:latin typeface="+mn-lt"/>
+                <a:ea typeface="+mn-ea"/>
+                <a:cs typeface="+mn-cs"/>
+              </a:defRPr>
+            </a:lvl6pPr>
+            <a:lvl7pPr marL="2743200" algn="l" defTabSz="914400" rtl="0" eaLnBrk="1" latinLnBrk="0" hangingPunct="1">
+              <a:defRPr sz="1800" kern="1200">
+                <a:solidFill>
+                  <a:schemeClr val="tx1"/>
+                </a:solidFill>
+                <a:latin typeface="+mn-lt"/>
+                <a:ea typeface="+mn-ea"/>
+                <a:cs typeface="+mn-cs"/>
+              </a:defRPr>
+            </a:lvl7pPr>
+            <a:lvl8pPr marL="3200400" algn="l" defTabSz="914400" rtl="0" eaLnBrk="1" latinLnBrk="0" hangingPunct="1">
+              <a:defRPr sz="1800" kern="1200">
+                <a:solidFill>
+                  <a:schemeClr val="tx1"/>
+                </a:solidFill>
+                <a:latin typeface="+mn-lt"/>
+                <a:ea typeface="+mn-ea"/>
+                <a:cs typeface="+mn-cs"/>
+              </a:defRPr>
+            </a:lvl8pPr>
+            <a:lvl9pPr marL="3657600" algn="l" defTabSz="914400" rtl="0" eaLnBrk="1" latinLnBrk="0" hangingPunct="1">
+              <a:defRPr sz="1800" kern="1200">
+                <a:solidFill>
+                  <a:schemeClr val="tx1"/>
+                </a:solidFill>
+                <a:latin typeface="+mn-lt"/>
+                <a:ea typeface="+mn-ea"/>
+                <a:cs typeface="+mn-cs"/>
+              </a:defRPr>
+            </a:lvl9pPr>
+          </a:lstStyle>
+          <a:p>
+            <a:fld id="{3EBA5BD7-F043-4D1B-AA17-CD412FC534DE}" type="slidenum">
+              <a:rPr lang="en-US" smtClean="0"/>
+              <a:pPr/>
+              <a:t>38</a:t>
+            </a:fld>
+            <a:endParaRPr lang="en-US" dirty="0"/>
+          </a:p>
+        </p:txBody>
+      </p:sp>
+      <p:sp>
+        <p:nvSpPr>
+          <p:cNvPr id="7" name="Footer Placeholder 7">
+            <a:extLst>
+              <a:ext uri="{FF2B5EF4-FFF2-40B4-BE49-F238E27FC236}">
+                <a16:creationId xmlns:a16="http://schemas.microsoft.com/office/drawing/2014/main" id="{4E3278B1-3FC3-4FB0-AAB8-C44E4CE52A10}"/>
+              </a:ext>
+            </a:extLst>
+          </p:cNvPr>
+          <p:cNvSpPr>
+            <a:spLocks noGrp="1"/>
+          </p:cNvSpPr>
+          <p:nvPr>
+            <p:ph type="ftr" sz="quarter" idx="4"/>
+          </p:nvPr>
+        </p:nvSpPr>
+        <p:spPr>
+          <a:xfrm>
+            <a:off x="-1" y="8847000"/>
+            <a:ext cx="6488999" cy="297000"/>
+          </a:xfrm>
+          <a:prstGeom prst="rect">
+            <a:avLst/>
+          </a:prstGeom>
+        </p:spPr>
+        <p:txBody>
+          <a:bodyPr vert="horz" lIns="91440" tIns="45720" rIns="91440" bIns="45720" rtlCol="0" anchor="b"/>
+          <a:lstStyle>
+            <a:lvl1pPr algn="l">
+              <a:defRPr sz="1100"/>
+            </a:lvl1pPr>
+          </a:lstStyle>
+          <a:p>
+            <a:r>
+              <a:rPr lang="en-US" dirty="0"/>
+              <a:t>© SoftUni – </a:t>
+            </a:r>
+            <a:r>
+              <a:rPr lang="en-US" u="sng" dirty="0">
+                <a:hlinkClick r:id="rId3"/>
+              </a:rPr>
+              <a:t>https://softuni.org</a:t>
+            </a:r>
+            <a:r>
+              <a:rPr lang="en-US" dirty="0"/>
+              <a:t>. Copyrighted document. Unauthorized copy or reproduction is not permitted.</a:t>
+            </a:r>
+          </a:p>
+        </p:txBody>
+      </p:sp>
+    </p:spTree>
+    <p:extLst>
+      <p:ext uri="{BB962C8B-B14F-4D97-AF65-F5344CB8AC3E}">
+        <p14:creationId xmlns:p14="http://schemas.microsoft.com/office/powerpoint/2010/main" val="1490424457"/>
+      </p:ext>
+    </p:extLst>
+  </p:cSld>
+  <p:clrMapOvr>
+    <a:masterClrMapping/>
+  </p:clrMapOvr>
+</p:notes>
+</file>
+
 <file path=ppt/notesSlides/notesSlide2.xml><?xml version="1.0" encoding="utf-8"?>
 <p:notes xmlns:a="http://schemas.openxmlformats.org/drawingml/2006/main" xmlns:r="http://schemas.openxmlformats.org/officeDocument/2006/relationships" xmlns:p="http://schemas.openxmlformats.org/presentationml/2006/main">
   <p:cSld>
@@ -1554,7 +1795,7 @@
           <a:p>
             <a:fld id="{2BF067CD-8E6B-4360-9AA8-C5DF2A48A6D1}" type="slidenum">
               <a:rPr lang="en-US" smtClean="0"/>
-              <a:t>31</a:t>
+              <a:t>26</a:t>
             </a:fld>
             <a:endParaRPr lang="en-US" dirty="0"/>
           </a:p>
@@ -1596,7 +1837,7 @@
     </p:spTree>
     <p:extLst>
       <p:ext uri="{BB962C8B-B14F-4D97-AF65-F5344CB8AC3E}">
-        <p14:creationId xmlns:p14="http://schemas.microsoft.com/office/powerpoint/2010/main" val="2401928702"/>
+        <p14:creationId xmlns:p14="http://schemas.microsoft.com/office/powerpoint/2010/main" val="1459717994"/>
       </p:ext>
     </p:extLst>
   </p:cSld>
@@ -1650,18 +1891,18 @@
           <a:bodyPr/>
           <a:lstStyle/>
           <a:p>
-            <a:endParaRPr lang="en-US"/>
+            <a:endParaRPr lang="en-BG" dirty="0"/>
           </a:p>
         </p:txBody>
       </p:sp>
       <p:sp>
         <p:nvSpPr>
-          <p:cNvPr id="5" name="Slide Number Placeholder 4"/>
+          <p:cNvPr id="4" name="Slide Number Placeholder 3"/>
           <p:cNvSpPr>
             <a:spLocks noGrp="1"/>
           </p:cNvSpPr>
           <p:nvPr>
-            <p:ph type="sldNum" sz="quarter" idx="11"/>
+            <p:ph type="sldNum" sz="quarter" idx="5"/>
           </p:nvPr>
         </p:nvSpPr>
         <p:spPr/>
@@ -1669,10 +1910,9 @@
           <a:bodyPr/>
           <a:lstStyle/>
           <a:p>
-            <a:fld id="{3EBA5BD7-F043-4D1B-AA17-CD412FC534DE}" type="slidenum">
+            <a:fld id="{2BF067CD-8E6B-4360-9AA8-C5DF2A48A6D1}" type="slidenum">
               <a:rPr lang="en-US" smtClean="0"/>
-              <a:pPr/>
-              <a:t>36</a:t>
+              <a:t>31</a:t>
             </a:fld>
             <a:endParaRPr lang="en-US" dirty="0"/>
           </a:p>
@@ -1680,13 +1920,7 @@
       </p:sp>
       <p:sp>
         <p:nvSpPr>
-          <p:cNvPr id="7" name="Footer Placeholder 7">
-            <a:extLst>
-              <a:ext uri="{FF2B5EF4-FFF2-40B4-BE49-F238E27FC236}">
-                <a16:creationId xmlns:a16="http://schemas.microsoft.com/office/drawing/2014/main" id="{472EA18C-4C17-4B25-8D51-42217A2C277E}"/>
-              </a:ext>
-            </a:extLst>
-          </p:cNvPr>
+          <p:cNvPr id="5" name="Footer Placeholder 4"/>
           <p:cNvSpPr>
             <a:spLocks noGrp="1"/>
           </p:cNvSpPr>
@@ -1694,44 +1928,33 @@
             <p:ph type="ftr" sz="quarter" idx="4"/>
           </p:nvPr>
         </p:nvSpPr>
-        <p:spPr>
-          <a:xfrm>
-            <a:off x="-1" y="8847000"/>
-            <a:ext cx="6488999" cy="297000"/>
-          </a:xfrm>
-          <a:prstGeom prst="rect">
-            <a:avLst/>
-          </a:prstGeom>
-        </p:spPr>
+        <p:spPr/>
         <p:txBody>
-          <a:bodyPr vert="horz" lIns="91440" tIns="45720" rIns="91440" bIns="45720" rtlCol="0" anchor="b"/>
-          <a:lstStyle>
-            <a:lvl1pPr algn="l">
-              <a:defRPr sz="1100"/>
-            </a:lvl1pPr>
-          </a:lstStyle>
-          <a:p>
-            <a:r>
-              <a:rPr lang="en-US" dirty="0"/>
+          <a:bodyPr/>
+          <a:lstStyle/>
+          <a:p>
+            <a:r>
+              <a:rPr lang="en-US"/>
               <a:t>© SoftUni – </a:t>
             </a:r>
             <a:r>
-              <a:rPr lang="en-US" u="sng" dirty="0">
+              <a:rPr lang="en-US" u="sng">
                 <a:hlinkClick r:id="rId3"/>
               </a:rPr>
               <a:t>https://softuni.org</a:t>
             </a:r>
             <a:r>
-              <a:rPr lang="en-US" dirty="0"/>
+              <a:rPr lang="en-US"/>
               <a:t>. Copyrighted document. Unauthorized copy or reproduction is not permitted.</a:t>
             </a:r>
+            <a:endParaRPr lang="en-US" dirty="0"/>
           </a:p>
         </p:txBody>
       </p:sp>
     </p:spTree>
     <p:extLst>
       <p:ext uri="{BB962C8B-B14F-4D97-AF65-F5344CB8AC3E}">
-        <p14:creationId xmlns:p14="http://schemas.microsoft.com/office/powerpoint/2010/main" val="3907191427"/>
+        <p14:creationId xmlns:p14="http://schemas.microsoft.com/office/powerpoint/2010/main" val="2401928702"/>
       </p:ext>
     </p:extLst>
   </p:cSld>
@@ -1791,129 +2014,23 @@
       </p:sp>
       <p:sp>
         <p:nvSpPr>
-          <p:cNvPr id="7" name="Slide Number Placeholder 5">
-            <a:extLst>
-              <a:ext uri="{FF2B5EF4-FFF2-40B4-BE49-F238E27FC236}">
-                <a16:creationId xmlns:a16="http://schemas.microsoft.com/office/drawing/2014/main" id="{5049B984-F964-47FF-8179-0A3007CE21CD}"/>
-              </a:ext>
-            </a:extLst>
-          </p:cNvPr>
-          <p:cNvSpPr txBox="1">
-            <a:spLocks/>
+          <p:cNvPr id="5" name="Slide Number Placeholder 4"/>
+          <p:cNvSpPr>
+            <a:spLocks noGrp="1"/>
           </p:cNvSpPr>
-          <p:nvPr/>
+          <p:nvPr>
+            <p:ph type="sldNum" sz="quarter" idx="11"/>
+          </p:nvPr>
         </p:nvSpPr>
-        <p:spPr>
-          <a:xfrm>
-            <a:off x="6488999" y="8847000"/>
-            <a:ext cx="367414" cy="297000"/>
-          </a:xfrm>
-          <a:prstGeom prst="rect">
-            <a:avLst/>
-          </a:prstGeom>
-        </p:spPr>
+        <p:spPr/>
         <p:txBody>
-          <a:bodyPr vert="horz" lIns="91440" tIns="45720" rIns="91440" bIns="45720" rtlCol="0" anchor="b"/>
-          <a:lstStyle>
-            <a:defPPr>
-              <a:defRPr lang="en-US"/>
-            </a:defPPr>
-            <a:lvl1pPr marL="0" algn="r" defTabSz="914400" rtl="0" eaLnBrk="1" latinLnBrk="0" hangingPunct="1">
-              <a:defRPr sz="1200" kern="1200">
-                <a:solidFill>
-                  <a:schemeClr val="tx1"/>
-                </a:solidFill>
-                <a:latin typeface="+mn-lt"/>
-                <a:ea typeface="+mn-ea"/>
-                <a:cs typeface="+mn-cs"/>
-              </a:defRPr>
-            </a:lvl1pPr>
-            <a:lvl2pPr marL="457200" algn="l" defTabSz="914400" rtl="0" eaLnBrk="1" latinLnBrk="0" hangingPunct="1">
-              <a:defRPr sz="1800" kern="1200">
-                <a:solidFill>
-                  <a:schemeClr val="tx1"/>
-                </a:solidFill>
-                <a:latin typeface="+mn-lt"/>
-                <a:ea typeface="+mn-ea"/>
-                <a:cs typeface="+mn-cs"/>
-              </a:defRPr>
-            </a:lvl2pPr>
-            <a:lvl3pPr marL="914400" algn="l" defTabSz="914400" rtl="0" eaLnBrk="1" latinLnBrk="0" hangingPunct="1">
-              <a:defRPr sz="1800" kern="1200">
-                <a:solidFill>
-                  <a:schemeClr val="tx1"/>
-                </a:solidFill>
-                <a:latin typeface="+mn-lt"/>
-                <a:ea typeface="+mn-ea"/>
-                <a:cs typeface="+mn-cs"/>
-              </a:defRPr>
-            </a:lvl3pPr>
-            <a:lvl4pPr marL="1371600" algn="l" defTabSz="914400" rtl="0" eaLnBrk="1" latinLnBrk="0" hangingPunct="1">
-              <a:defRPr sz="1800" kern="1200">
-                <a:solidFill>
-                  <a:schemeClr val="tx1"/>
-                </a:solidFill>
-                <a:latin typeface="+mn-lt"/>
-                <a:ea typeface="+mn-ea"/>
-                <a:cs typeface="+mn-cs"/>
-              </a:defRPr>
-            </a:lvl4pPr>
-            <a:lvl5pPr marL="1828800" algn="l" defTabSz="914400" rtl="0" eaLnBrk="1" latinLnBrk="0" hangingPunct="1">
-              <a:defRPr sz="1800" kern="1200">
-                <a:solidFill>
-                  <a:schemeClr val="tx1"/>
-                </a:solidFill>
-                <a:latin typeface="+mn-lt"/>
-                <a:ea typeface="+mn-ea"/>
-                <a:cs typeface="+mn-cs"/>
-              </a:defRPr>
-            </a:lvl5pPr>
-            <a:lvl6pPr marL="2286000" algn="l" defTabSz="914400" rtl="0" eaLnBrk="1" latinLnBrk="0" hangingPunct="1">
-              <a:defRPr sz="1800" kern="1200">
-                <a:solidFill>
-                  <a:schemeClr val="tx1"/>
-                </a:solidFill>
-                <a:latin typeface="+mn-lt"/>
-                <a:ea typeface="+mn-ea"/>
-                <a:cs typeface="+mn-cs"/>
-              </a:defRPr>
-            </a:lvl6pPr>
-            <a:lvl7pPr marL="2743200" algn="l" defTabSz="914400" rtl="0" eaLnBrk="1" latinLnBrk="0" hangingPunct="1">
-              <a:defRPr sz="1800" kern="1200">
-                <a:solidFill>
-                  <a:schemeClr val="tx1"/>
-                </a:solidFill>
-                <a:latin typeface="+mn-lt"/>
-                <a:ea typeface="+mn-ea"/>
-                <a:cs typeface="+mn-cs"/>
-              </a:defRPr>
-            </a:lvl7pPr>
-            <a:lvl8pPr marL="3200400" algn="l" defTabSz="914400" rtl="0" eaLnBrk="1" latinLnBrk="0" hangingPunct="1">
-              <a:defRPr sz="1800" kern="1200">
-                <a:solidFill>
-                  <a:schemeClr val="tx1"/>
-                </a:solidFill>
-                <a:latin typeface="+mn-lt"/>
-                <a:ea typeface="+mn-ea"/>
-                <a:cs typeface="+mn-cs"/>
-              </a:defRPr>
-            </a:lvl8pPr>
-            <a:lvl9pPr marL="3657600" algn="l" defTabSz="914400" rtl="0" eaLnBrk="1" latinLnBrk="0" hangingPunct="1">
-              <a:defRPr sz="1800" kern="1200">
-                <a:solidFill>
-                  <a:schemeClr val="tx1"/>
-                </a:solidFill>
-                <a:latin typeface="+mn-lt"/>
-                <a:ea typeface="+mn-ea"/>
-                <a:cs typeface="+mn-cs"/>
-              </a:defRPr>
-            </a:lvl9pPr>
-          </a:lstStyle>
+          <a:bodyPr/>
+          <a:lstStyle/>
           <a:p>
             <a:fld id="{3EBA5BD7-F043-4D1B-AA17-CD412FC534DE}" type="slidenum">
               <a:rPr lang="en-US" smtClean="0"/>
               <a:pPr/>
-              <a:t>37</a:t>
+              <a:t>36</a:t>
             </a:fld>
             <a:endParaRPr lang="en-US" dirty="0"/>
           </a:p>
@@ -1921,10 +2038,10 @@
       </p:sp>
       <p:sp>
         <p:nvSpPr>
-          <p:cNvPr id="6" name="Footer Placeholder 7">
+          <p:cNvPr id="7" name="Footer Placeholder 7">
             <a:extLst>
               <a:ext uri="{FF2B5EF4-FFF2-40B4-BE49-F238E27FC236}">
-                <a16:creationId xmlns:a16="http://schemas.microsoft.com/office/drawing/2014/main" id="{3B25238D-30EC-49FB-9FD0-BF03E5499E5E}"/>
+                <a16:creationId xmlns:a16="http://schemas.microsoft.com/office/drawing/2014/main" id="{472EA18C-4C17-4B25-8D51-42217A2C277E}"/>
               </a:ext>
             </a:extLst>
           </p:cNvPr>
@@ -1972,7 +2089,7 @@
     </p:spTree>
     <p:extLst>
       <p:ext uri="{BB962C8B-B14F-4D97-AF65-F5344CB8AC3E}">
-        <p14:creationId xmlns:p14="http://schemas.microsoft.com/office/powerpoint/2010/main" val="3638511063"/>
+        <p14:creationId xmlns:p14="http://schemas.microsoft.com/office/powerpoint/2010/main" val="3907191427"/>
       </p:ext>
     </p:extLst>
   </p:cSld>
@@ -2032,10 +2149,10 @@
       </p:sp>
       <p:sp>
         <p:nvSpPr>
-          <p:cNvPr id="6" name="Slide Number Placeholder 5">
+          <p:cNvPr id="7" name="Slide Number Placeholder 5">
             <a:extLst>
               <a:ext uri="{FF2B5EF4-FFF2-40B4-BE49-F238E27FC236}">
-                <a16:creationId xmlns:a16="http://schemas.microsoft.com/office/drawing/2014/main" id="{6627548A-4D3C-449B-81A5-FA4BE4628490}"/>
+                <a16:creationId xmlns:a16="http://schemas.microsoft.com/office/drawing/2014/main" id="{5049B984-F964-47FF-8179-0A3007CE21CD}"/>
               </a:ext>
             </a:extLst>
           </p:cNvPr>
@@ -2154,7 +2271,7 @@
             <a:fld id="{3EBA5BD7-F043-4D1B-AA17-CD412FC534DE}" type="slidenum">
               <a:rPr lang="en-US" smtClean="0"/>
               <a:pPr/>
-              <a:t>38</a:t>
+              <a:t>37</a:t>
             </a:fld>
             <a:endParaRPr lang="en-US" dirty="0"/>
           </a:p>
@@ -2162,10 +2279,10 @@
       </p:sp>
       <p:sp>
         <p:nvSpPr>
-          <p:cNvPr id="7" name="Footer Placeholder 7">
+          <p:cNvPr id="6" name="Footer Placeholder 7">
             <a:extLst>
               <a:ext uri="{FF2B5EF4-FFF2-40B4-BE49-F238E27FC236}">
-                <a16:creationId xmlns:a16="http://schemas.microsoft.com/office/drawing/2014/main" id="{4E3278B1-3FC3-4FB0-AAB8-C44E4CE52A10}"/>
+                <a16:creationId xmlns:a16="http://schemas.microsoft.com/office/drawing/2014/main" id="{3B25238D-30EC-49FB-9FD0-BF03E5499E5E}"/>
               </a:ext>
             </a:extLst>
           </p:cNvPr>
@@ -2213,7 +2330,7 @@
     </p:spTree>
     <p:extLst>
       <p:ext uri="{BB962C8B-B14F-4D97-AF65-F5344CB8AC3E}">
-        <p14:creationId xmlns:p14="http://schemas.microsoft.com/office/powerpoint/2010/main" val="1490424457"/>
+        <p14:creationId xmlns:p14="http://schemas.microsoft.com/office/powerpoint/2010/main" val="3638511063"/>
       </p:ext>
     </p:extLst>
   </p:cSld>
@@ -17588,7 +17705,7 @@
         </p:nvSpPr>
         <p:spPr>
           <a:xfrm>
-            <a:off x="699412" y="2492028"/>
+            <a:off x="697406" y="2394000"/>
             <a:ext cx="10797188" cy="648940"/>
           </a:xfrm>
           <a:prstGeom prst="rect">
@@ -19547,7 +19664,7 @@
             </a:r>
             <a:r>
               <a:rPr lang="bg-BG" sz="3200" dirty="0"/>
-              <a:t>движение на мишката и др., или</a:t>
+              <a:t>движение на мишката и др. или</a:t>
             </a:r>
             <a:r>
               <a:rPr lang="en-US" sz="3200" dirty="0"/>
@@ -19838,7 +19955,7 @@
             </a:r>
             <a:r>
               <a:rPr lang="bg-BG" sz="3200" dirty="0"/>
-              <a:t>получателите трябва първи да </a:t>
+              <a:t>получателите трябва първо да </a:t>
             </a:r>
             <a:r>
               <a:rPr lang="en-US" sz="3200" dirty="0"/>
@@ -22517,7 +22634,7 @@
                   <a:schemeClr val="bg1"/>
                 </a:solidFill>
               </a:rPr>
-              <a:t>връща </a:t>
+              <a:t>не връща стойност </a:t>
             </a:r>
             <a:r>
               <a:rPr lang="en-US" b="1" dirty="0">
@@ -22525,7 +22642,7 @@
                   <a:schemeClr val="bg1"/>
                 </a:solidFill>
               </a:rPr>
-              <a:t>void</a:t>
+              <a:t>(void)</a:t>
             </a:r>
           </a:p>
           <a:p>
@@ -25143,7 +25260,7 @@
             </a:r>
             <a:r>
               <a:rPr lang="bg-BG" dirty="0"/>
-              <a:t>Пример</a:t>
+              <a:t>пример</a:t>
             </a:r>
             <a:endParaRPr lang="en-US" dirty="0"/>
           </a:p>
@@ -27421,7 +27538,7 @@
             </a:r>
             <a:r>
               <a:rPr lang="bg-BG" dirty="0"/>
-              <a:t> което пише цвета на конзолата при </a:t>
+              <a:t> което променя цвета на конзолата при </a:t>
             </a:r>
             <a:r>
               <a:rPr lang="bg-BG" b="1" dirty="0">
@@ -28387,7 +28504,7 @@
         </p:nvSpPr>
         <p:spPr>
           <a:xfrm>
-            <a:off x="6861001" y="6093296"/>
+            <a:off x="6886766" y="6104044"/>
             <a:ext cx="4136954" cy="495108"/>
           </a:xfrm>
           <a:prstGeom prst="rect">
@@ -33218,7 +33335,7 @@
             </a:pPr>
             <a:r>
               <a:rPr lang="bg-BG" sz="3200" dirty="0"/>
-              <a:t>Може да се използват, за да се дефинират </a:t>
+              <a:t>Може да се използва, за да се дефинират </a:t>
             </a:r>
             <a:r>
               <a:rPr lang="en-US" sz="3200" dirty="0"/>
@@ -33766,7 +33883,7 @@
         </p:nvSpPr>
         <p:spPr>
           <a:xfrm>
-            <a:off x="191940" y="1275795"/>
+            <a:off x="188491" y="1229924"/>
             <a:ext cx="11815018" cy="5527326"/>
           </a:xfrm>
         </p:spPr>
@@ -33782,10 +33899,10 @@
               </a:lnSpc>
             </a:pPr>
             <a:r>
-              <a:rPr lang="bg-BG" sz="3000" dirty="0"/>
-              <a:t>Инициализация на функция</a:t>
-            </a:r>
-            <a:endParaRPr lang="en-US" sz="3000" dirty="0"/>
+              <a:rPr lang="bg-BG" sz="2900" dirty="0"/>
+              <a:t>Инициализация на функцията:</a:t>
+            </a:r>
+            <a:endParaRPr lang="en-US" sz="2900" dirty="0"/>
           </a:p>
           <a:p>
             <a:pPr>
@@ -33793,7 +33910,7 @@
                 <a:spcPct val="100000"/>
               </a:lnSpc>
             </a:pPr>
-            <a:endParaRPr lang="en-US" sz="3000" dirty="0"/>
+            <a:endParaRPr lang="en-US" sz="2900" dirty="0"/>
           </a:p>
           <a:p>
             <a:pPr>
@@ -33801,7 +33918,7 @@
                 <a:spcPct val="100000"/>
               </a:lnSpc>
             </a:pPr>
-            <a:endParaRPr lang="en-US" sz="3000" dirty="0"/>
+            <a:endParaRPr lang="en-US" sz="2900" dirty="0"/>
           </a:p>
           <a:p>
             <a:pPr>
@@ -33809,7 +33926,7 @@
                 <a:spcPct val="100000"/>
               </a:lnSpc>
             </a:pPr>
-            <a:endParaRPr lang="bg-BG" sz="3000" dirty="0"/>
+            <a:endParaRPr lang="bg-BG" sz="2900" dirty="0"/>
           </a:p>
           <a:p>
             <a:pPr>
@@ -33817,7 +33934,7 @@
                 <a:spcPct val="100000"/>
               </a:lnSpc>
             </a:pPr>
-            <a:endParaRPr lang="en-US" sz="3000" dirty="0"/>
+            <a:endParaRPr lang="en-US" sz="2900" dirty="0"/>
           </a:p>
           <a:p>
             <a:pPr>
@@ -33826,18 +33943,18 @@
               </a:lnSpc>
             </a:pPr>
             <a:r>
-              <a:rPr lang="bg-BG" sz="3000" dirty="0"/>
+              <a:rPr lang="bg-BG" sz="2900" dirty="0"/>
               <a:t>Типът на входа и на изхода може да бъде </a:t>
             </a:r>
             <a:r>
-              <a:rPr lang="bg-BG" sz="3000" b="1" dirty="0">
+              <a:rPr lang="bg-BG" sz="2900" b="1" dirty="0">
                 <a:solidFill>
                   <a:schemeClr val="bg1"/>
                 </a:solidFill>
               </a:rPr>
               <a:t>различен</a:t>
             </a:r>
-            <a:endParaRPr lang="en-US" sz="3000" b="1" dirty="0">
+            <a:endParaRPr lang="en-US" sz="2900" b="1" dirty="0">
               <a:solidFill>
                 <a:schemeClr val="bg1"/>
               </a:solidFill>
@@ -33850,18 +33967,18 @@
               </a:lnSpc>
             </a:pPr>
             <a:r>
-              <a:rPr lang="bg-BG" sz="3000" dirty="0"/>
+              <a:rPr lang="bg-BG" sz="2900" dirty="0"/>
               <a:t>Типът на входа и на изхода </a:t>
             </a:r>
             <a:r>
-              <a:rPr lang="bg-BG" sz="3000" b="1" dirty="0">
+              <a:rPr lang="bg-BG" sz="2900" b="1" dirty="0">
                 <a:solidFill>
                   <a:schemeClr val="bg1"/>
                 </a:solidFill>
               </a:rPr>
-              <a:t>трябва да същия като декларирания тип</a:t>
-            </a:r>
-            <a:endParaRPr lang="en-US" sz="3000" b="1" dirty="0">
+              <a:t>трябва да бъде същият като декларирания тип</a:t>
+            </a:r>
+            <a:endParaRPr lang="en-US" sz="2900" b="1" dirty="0">
               <a:solidFill>
                 <a:schemeClr val="bg1"/>
               </a:solidFill>
@@ -33877,19 +33994,19 @@
               </a:buClr>
             </a:pPr>
             <a:r>
-              <a:rPr lang="en-US" sz="3000" dirty="0"/>
+              <a:rPr lang="en-US" sz="2900" dirty="0"/>
               <a:t>Generic </a:t>
             </a:r>
             <a:r>
-              <a:rPr lang="bg-BG" sz="3000" dirty="0"/>
-              <a:t>делегата</a:t>
-            </a:r>
-            <a:r>
-              <a:rPr lang="en-US" sz="3000" dirty="0"/>
+              <a:rPr lang="bg-BG" sz="2900" dirty="0"/>
+              <a:t>делегатът</a:t>
+            </a:r>
+            <a:r>
+              <a:rPr lang="en-US" sz="2900" dirty="0"/>
               <a:t> </a:t>
             </a:r>
             <a:r>
-              <a:rPr lang="en-US" sz="3000" b="1" noProof="1">
+              <a:rPr lang="en-US" sz="2900" b="1" noProof="1">
                 <a:solidFill>
                   <a:schemeClr val="bg1"/>
                 </a:solidFill>
@@ -33898,22 +34015,22 @@
               <a:t>Func</a:t>
             </a:r>
             <a:r>
-              <a:rPr lang="en-US" sz="3000" dirty="0"/>
+              <a:rPr lang="en-US" sz="2900" dirty="0"/>
               <a:t> </a:t>
             </a:r>
             <a:r>
-              <a:rPr lang="bg-BG" sz="3000" dirty="0"/>
+              <a:rPr lang="bg-BG" sz="2900" dirty="0"/>
               <a:t>дефинира</a:t>
             </a:r>
             <a:r>
-              <a:rPr lang="en-US" sz="3000" dirty="0"/>
+              <a:rPr lang="en-US" sz="2900" dirty="0"/>
               <a:t> </a:t>
             </a:r>
             <a:r>
-              <a:rPr lang="bg-BG" sz="3000" dirty="0"/>
+              <a:rPr lang="bg-BG" sz="2900" dirty="0"/>
               <a:t>броя и типа на входните параметри и връща типа на делегата</a:t>
             </a:r>
-            <a:endParaRPr lang="en-US" sz="3000" dirty="0"/>
+            <a:endParaRPr lang="en-US" sz="2900" dirty="0"/>
           </a:p>
         </p:txBody>
       </p:sp>
@@ -34054,8 +34171,8 @@
           </a:xfrm>
           <a:prstGeom prst="wedgeRoundRectCallout">
             <a:avLst>
-              <a:gd name="adj1" fmla="val 72109"/>
-              <a:gd name="adj2" fmla="val 70075"/>
+              <a:gd name="adj1" fmla="val 66962"/>
+              <a:gd name="adj2" fmla="val 97958"/>
               <a:gd name="adj3" fmla="val 16667"/>
             </a:avLst>
           </a:prstGeom>
@@ -34252,8 +34369,8 @@
           </a:xfrm>
           <a:prstGeom prst="wedgeRoundRectCallout">
             <a:avLst>
-              <a:gd name="adj1" fmla="val -10930"/>
-              <a:gd name="adj2" fmla="val -85039"/>
+              <a:gd name="adj1" fmla="val -4123"/>
+              <a:gd name="adj2" fmla="val -82279"/>
               <a:gd name="adj3" fmla="val 16667"/>
             </a:avLst>
           </a:prstGeom>

--- a/Courses/Software-Sciences/Module-1-OOP-New/14-Delegates-and-Events/14-Delegates-and-Events.pptx
+++ b/Courses/Software-Sciences/Module-1-OOP-New/14-Delegates-and-Events/14-Delegates-and-Events.pptx
@@ -325,7 +325,7 @@
           <a:p>
             <a:fld id="{4E087215-0C8F-4762-A664-737A353EC9A4}" type="datetimeFigureOut">
               <a:rPr lang="bg-BG" smtClean="0"/>
-              <a:t>13.01.23 г.</a:t>
+              <a:t>13.1.2023 г.</a:t>
             </a:fld>
             <a:endParaRPr lang="bg-BG"/>
           </a:p>
@@ -516,7 +516,7 @@
           <a:p>
             <a:fld id="{72D84649-876A-46C9-8472-14CB09C070D8}" type="datetimeFigureOut">
               <a:rPr lang="en-US" smtClean="0"/>
-              <a:t>1/13/23</a:t>
+              <a:t>13-Jan-23</a:t>
             </a:fld>
             <a:endParaRPr lang="en-US"/>
           </a:p>
@@ -8833,7 +8833,12 @@
             <p:ph type="subTitle" idx="1"/>
           </p:nvPr>
         </p:nvSpPr>
-        <p:spPr/>
+        <p:spPr>
+          <a:xfrm>
+            <a:off x="554182" y="1224000"/>
+            <a:ext cx="11083636" cy="675176"/>
+          </a:xfrm>
+        </p:spPr>
         <p:txBody>
           <a:bodyPr>
             <a:normAutofit/>
@@ -8841,9 +8846,18 @@
           <a:lstStyle/>
           <a:p>
             <a:r>
+              <a:rPr lang="bg-BG" dirty="0"/>
+              <a:t>Обратно извикване (</a:t>
+            </a:r>
+            <a:r>
               <a:rPr lang="en-US" dirty="0"/>
               <a:t>Callbacks</a:t>
             </a:r>
+            <a:r>
+              <a:rPr lang="bg-BG" dirty="0"/>
+              <a:t>)</a:t>
+            </a:r>
+            <a:endParaRPr lang="en-US" dirty="0"/>
           </a:p>
         </p:txBody>
       </p:sp>
@@ -8995,8 +9009,8 @@
         </p:blipFill>
         <p:spPr bwMode="auto">
           <a:xfrm>
-            <a:off x="3349758" y="1809000"/>
-            <a:ext cx="5492483" cy="3459242"/>
+            <a:off x="3599416" y="1949235"/>
+            <a:ext cx="4993166" cy="3144765"/>
           </a:xfrm>
           <a:prstGeom prst="rect">
             <a:avLst/>
@@ -10088,7 +10102,7 @@
                   <a:schemeClr val="bg1"/>
                 </a:solidFill>
               </a:rPr>
-              <a:t>ВАТ</a:t>
+              <a:t>ДДС</a:t>
             </a:r>
             <a:r>
               <a:rPr lang="en-US" sz="3400" dirty="0"/>
@@ -10104,7 +10118,19 @@
             </a:r>
             <a:r>
               <a:rPr lang="bg-BG" sz="3400" dirty="0"/>
-              <a:t>към всеки продукт</a:t>
+              <a:t>към всеки продукт (</a:t>
+            </a:r>
+            <a:r>
+              <a:rPr lang="en-US" sz="3400" b="1" dirty="0"/>
+              <a:t>VAT</a:t>
+            </a:r>
+            <a:r>
+              <a:rPr lang="en-US" sz="3400" dirty="0"/>
+              <a:t> </a:t>
+            </a:r>
+            <a:r>
+              <a:rPr lang="bg-BG" sz="3400" dirty="0"/>
+              <a:t>на английски)</a:t>
             </a:r>
             <a:endParaRPr lang="en-US" sz="3400" dirty="0"/>
           </a:p>
@@ -10188,7 +10214,7 @@
             </a:r>
             <a:r>
               <a:rPr lang="bg-BG" dirty="0"/>
-              <a:t>ВАТ</a:t>
+              <a:t>ДДС</a:t>
             </a:r>
             <a:endParaRPr lang="en-US" dirty="0"/>
           </a:p>
@@ -11142,7 +11168,7 @@
             </a:r>
             <a:r>
               <a:rPr lang="bg-BG" dirty="0"/>
-              <a:t>ВАТ</a:t>
+              <a:t>ДДС</a:t>
             </a:r>
             <a:endParaRPr lang="en-US" dirty="0"/>
           </a:p>
@@ -12872,7 +12898,7 @@
         </p:nvSpPr>
         <p:spPr bwMode="auto">
           <a:xfrm>
-            <a:off x="697406" y="3115463"/>
+            <a:off x="697406" y="3304159"/>
             <a:ext cx="1828324" cy="3045962"/>
           </a:xfrm>
           <a:prstGeom prst="rect">
@@ -13047,7 +13073,7 @@
         </p:nvSpPr>
         <p:spPr bwMode="auto">
           <a:xfrm>
-            <a:off x="3464579" y="4057152"/>
+            <a:off x="3464579" y="4245848"/>
             <a:ext cx="1946212" cy="1237646"/>
           </a:xfrm>
           <a:prstGeom prst="rect">
@@ -13141,7 +13167,7 @@
         </p:nvSpPr>
         <p:spPr bwMode="auto">
           <a:xfrm>
-            <a:off x="2766614" y="4466710"/>
+            <a:off x="2766614" y="4655406"/>
             <a:ext cx="457081" cy="380901"/>
           </a:xfrm>
           <a:prstGeom prst="rightArrow">
@@ -13219,8 +13245,8 @@
         </p:nvSpPr>
         <p:spPr bwMode="auto">
           <a:xfrm>
-            <a:off x="5717916" y="3119342"/>
-            <a:ext cx="1828324" cy="3045962"/>
+            <a:off x="6266357" y="3308038"/>
+            <a:ext cx="1950612" cy="3045962"/>
           </a:xfrm>
           <a:prstGeom prst="rect">
             <a:avLst/>
@@ -13400,8 +13426,8 @@
         </p:nvSpPr>
         <p:spPr bwMode="auto">
           <a:xfrm>
-            <a:off x="8486924" y="4218249"/>
-            <a:ext cx="1123347" cy="849948"/>
+            <a:off x="9157653" y="4406945"/>
+            <a:ext cx="898347" cy="849948"/>
           </a:xfrm>
           <a:prstGeom prst="rect">
             <a:avLst/>
@@ -13477,7 +13503,7 @@
         </p:nvSpPr>
         <p:spPr bwMode="auto">
           <a:xfrm>
-            <a:off x="7782724" y="4448111"/>
+            <a:off x="8453453" y="4636807"/>
             <a:ext cx="457081" cy="380901"/>
           </a:xfrm>
           <a:prstGeom prst="rightArrow">
@@ -17414,8 +17440,8 @@
         </p:blipFill>
         <p:spPr bwMode="auto">
           <a:xfrm>
-            <a:off x="2995614" y="1916832"/>
-            <a:ext cx="6200775" cy="1600200"/>
+            <a:off x="1102796" y="1428363"/>
+            <a:ext cx="9986411" cy="2577138"/>
           </a:xfrm>
           <a:prstGeom prst="rect">
             <a:avLst/>
@@ -17597,7 +17623,17 @@
             </a:r>
             <a:r>
               <a:rPr lang="en-US" dirty="0"/>
-              <a:t> Array </a:t>
+              <a:t> </a:t>
+            </a:r>
+            <a:r>
+              <a:rPr lang="en-US" b="1" dirty="0">
+                <a:latin typeface="Consolas" panose="020B0609020204030204" pitchFamily="49" charset="0"/>
+              </a:rPr>
+              <a:t>Array</a:t>
+            </a:r>
+            <a:r>
+              <a:rPr lang="en-US" dirty="0"/>
+              <a:t> </a:t>
             </a:r>
             <a:r>
               <a:rPr lang="bg-BG" dirty="0"/>
@@ -17605,7 +17641,17 @@
             </a:r>
             <a:r>
               <a:rPr lang="en-US" dirty="0"/>
-              <a:t> List&lt;T&gt; </a:t>
+              <a:t> </a:t>
+            </a:r>
+            <a:r>
+              <a:rPr lang="en-US" b="1" dirty="0">
+                <a:latin typeface="Consolas" panose="020B0609020204030204" pitchFamily="49" charset="0"/>
+              </a:rPr>
+              <a:t>List&lt;T&gt;</a:t>
+            </a:r>
+            <a:r>
+              <a:rPr lang="en-US" dirty="0"/>
+              <a:t> </a:t>
             </a:r>
             <a:r>
               <a:rPr lang="bg-BG" dirty="0"/>
@@ -18589,7 +18635,7 @@
         </p:nvSpPr>
         <p:spPr bwMode="auto">
           <a:xfrm>
-            <a:off x="799364" y="1196752"/>
+            <a:off x="799364" y="1227925"/>
             <a:ext cx="10578460" cy="5466112"/>
           </a:xfrm>
           <a:prstGeom prst="rect">
@@ -19471,6 +19517,38 @@
           <a:chExt cx="0" cy="0"/>
         </a:xfrm>
       </p:grpSpPr>
+      <p:sp>
+        <p:nvSpPr>
+          <p:cNvPr id="3" name="Subtitle 2">
+            <a:extLst>
+              <a:ext uri="{FF2B5EF4-FFF2-40B4-BE49-F238E27FC236}">
+                <a16:creationId xmlns:a16="http://schemas.microsoft.com/office/drawing/2014/main" id="{49EAAF9A-15D2-FCD4-9177-6902536B2D2B}"/>
+              </a:ext>
+            </a:extLst>
+          </p:cNvPr>
+          <p:cNvSpPr>
+            <a:spLocks noGrp="1"/>
+          </p:cNvSpPr>
+          <p:nvPr>
+            <p:ph type="subTitle" sz="quarter" idx="11"/>
+          </p:nvPr>
+        </p:nvSpPr>
+        <p:spPr/>
+        <p:txBody>
+          <a:bodyPr/>
+          <a:lstStyle/>
+          <a:p>
+            <a:r>
+              <a:rPr lang="bg-BG" dirty="0"/>
+              <a:t>Хващане и обработка на събития в </a:t>
+            </a:r>
+            <a:r>
+              <a:rPr lang="en-US" dirty="0"/>
+              <a:t>C#</a:t>
+            </a:r>
+          </a:p>
+        </p:txBody>
+      </p:sp>
       <p:sp>
         <p:nvSpPr>
           <p:cNvPr id="5" name="Title 4"/>
@@ -19711,7 +19789,7 @@
         </p:nvSpPr>
         <p:spPr>
           <a:xfrm>
-            <a:off x="191941" y="2780929"/>
+            <a:off x="191941" y="2889000"/>
             <a:ext cx="6336704" cy="3024336"/>
           </a:xfrm>
           <a:prstGeom prst="rect">
@@ -19909,11 +19987,7 @@
             </a:r>
             <a:r>
               <a:rPr lang="bg-BG" sz="3200" dirty="0"/>
-              <a:t>се декларират в класа и се асоциират с </a:t>
-            </a:r>
-            <a:r>
-              <a:rPr lang="en-US" sz="3200" dirty="0"/>
-              <a:t>event </a:t>
+              <a:t>се декларират в класа и се асоциират с обработчици (</a:t>
             </a:r>
             <a:r>
               <a:rPr lang="en-US" sz="3200" b="1" dirty="0">
@@ -19921,11 +19995,11 @@
                   <a:schemeClr val="bg1"/>
                 </a:solidFill>
               </a:rPr>
-              <a:t>handlers</a:t>
+              <a:t>event handlers</a:t>
             </a:r>
             <a:r>
               <a:rPr lang="bg-BG" sz="3200" dirty="0"/>
-              <a:t>, използващи</a:t>
+              <a:t>), използващи</a:t>
             </a:r>
             <a:r>
               <a:rPr lang="en-US" sz="3200" dirty="0"/>
@@ -20002,8 +20076,8 @@
         </p:blipFill>
         <p:spPr bwMode="auto">
           <a:xfrm>
-            <a:off x="6384032" y="2348880"/>
-            <a:ext cx="5328592" cy="4249594"/>
+            <a:off x="6650292" y="2437526"/>
+            <a:ext cx="5102738" cy="4069474"/>
           </a:xfrm>
           <a:prstGeom prst="rect">
             <a:avLst/>
@@ -20757,13 +20831,23 @@
                   <a:srgbClr val="00843C"/>
                 </a:solidFill>
               </a:rPr>
-              <a:t>ако</a:t>
+              <a:t> </a:t>
+            </a:r>
+            <a:r>
+              <a:rPr lang="bg-BG" dirty="0">
+                <a:solidFill>
+                  <a:srgbClr val="00843C"/>
+                </a:solidFill>
+                <a:latin typeface="+mn-lt"/>
+              </a:rPr>
+              <a:t>Ако</a:t>
             </a:r>
             <a:r>
               <a:rPr lang="en-US" dirty="0">
                 <a:solidFill>
                   <a:srgbClr val="00843C"/>
                 </a:solidFill>
+                <a:latin typeface="+mn-lt"/>
               </a:rPr>
               <a:t> </a:t>
             </a:r>
@@ -20772,6 +20856,7 @@
                 <a:solidFill>
                   <a:srgbClr val="00843C"/>
                 </a:solidFill>
+                <a:latin typeface="+mn-lt"/>
               </a:rPr>
               <a:t>ProcessCompleted</a:t>
             </a:r>
@@ -20780,6 +20865,7 @@
                 <a:solidFill>
                   <a:srgbClr val="00843C"/>
                 </a:solidFill>
+                <a:latin typeface="+mn-lt"/>
               </a:rPr>
               <a:t> </a:t>
             </a:r>
@@ -20788,6 +20874,7 @@
                 <a:solidFill>
                   <a:srgbClr val="00843C"/>
                 </a:solidFill>
+                <a:latin typeface="+mn-lt"/>
               </a:rPr>
               <a:t>не</a:t>
             </a:r>
@@ -20796,6 +20883,7 @@
                 <a:solidFill>
                   <a:srgbClr val="00843C"/>
                 </a:solidFill>
+                <a:latin typeface="+mn-lt"/>
               </a:rPr>
               <a:t> </a:t>
             </a:r>
@@ -20804,6 +20892,7 @@
                 <a:solidFill>
                   <a:srgbClr val="00843C"/>
                 </a:solidFill>
+                <a:latin typeface="+mn-lt"/>
               </a:rPr>
               <a:t>е</a:t>
             </a:r>
@@ -20812,6 +20901,7 @@
                 <a:solidFill>
                   <a:srgbClr val="00843C"/>
                 </a:solidFill>
+                <a:latin typeface="+mn-lt"/>
               </a:rPr>
               <a:t> null</a:t>
             </a:r>
@@ -20820,6 +20910,7 @@
                 <a:solidFill>
                   <a:srgbClr val="00843C"/>
                 </a:solidFill>
+                <a:latin typeface="+mn-lt"/>
               </a:rPr>
               <a:t>, извикваме делегата</a:t>
             </a:r>
@@ -20827,6 +20918,7 @@
               <a:solidFill>
                 <a:srgbClr val="00843C"/>
               </a:solidFill>
+              <a:latin typeface="+mn-lt"/>
             </a:endParaRPr>
           </a:p>
           <a:p>
@@ -21100,6 +21192,100 @@
               <a:t>23</a:t>
             </a:fld>
             <a:endParaRPr lang="en-US" noProof="0" dirty="0"/>
+          </a:p>
+        </p:txBody>
+      </p:sp>
+      <p:sp>
+        <p:nvSpPr>
+          <p:cNvPr id="2" name="AutoShape 5">
+            <a:extLst>
+              <a:ext uri="{FF2B5EF4-FFF2-40B4-BE49-F238E27FC236}">
+                <a16:creationId xmlns:a16="http://schemas.microsoft.com/office/drawing/2014/main" id="{C1A295D9-CF3A-09DC-B9A9-D70905F6379A}"/>
+              </a:ext>
+            </a:extLst>
+          </p:cNvPr>
+          <p:cNvSpPr>
+            <a:spLocks noChangeArrowheads="1"/>
+          </p:cNvSpPr>
+          <p:nvPr/>
+        </p:nvSpPr>
+        <p:spPr bwMode="auto">
+          <a:xfrm>
+            <a:off x="7086000" y="3744000"/>
+            <a:ext cx="3653814" cy="937021"/>
+          </a:xfrm>
+          <a:prstGeom prst="wedgeRoundRectCallout">
+            <a:avLst>
+              <a:gd name="adj1" fmla="val -69454"/>
+              <a:gd name="adj2" fmla="val -18486"/>
+              <a:gd name="adj3" fmla="val 16667"/>
+            </a:avLst>
+          </a:prstGeom>
+          <a:solidFill>
+            <a:schemeClr val="dk2">
+              <a:alpha val="80000"/>
+            </a:schemeClr>
+          </a:solidFill>
+          <a:ln w="19050">
+            <a:solidFill>
+              <a:schemeClr val="tx1">
+                <a:lumMod val="75000"/>
+                <a:alpha val="80000"/>
+              </a:schemeClr>
+            </a:solidFill>
+          </a:ln>
+          <a:effectLst/>
+        </p:spPr>
+        <p:style>
+          <a:lnRef idx="2">
+            <a:schemeClr val="accent1">
+              <a:shade val="50000"/>
+            </a:schemeClr>
+          </a:lnRef>
+          <a:fillRef idx="1001">
+            <a:schemeClr val="dk2"/>
+          </a:fillRef>
+          <a:effectRef idx="0">
+            <a:schemeClr val="accent1"/>
+          </a:effectRef>
+          <a:fontRef idx="minor">
+            <a:schemeClr val="lt1"/>
+          </a:fontRef>
+        </p:style>
+        <p:txBody>
+          <a:bodyPr rot="0" spcFirstLastPara="0" vertOverflow="overflow" horzOverflow="overflow" vert="horz" wrap="square" lIns="91416" tIns="45708" rIns="91416" bIns="45708" numCol="1" spcCol="0" rtlCol="0" fromWordArt="0" anchor="ctr" anchorCtr="0" forceAA="0" compatLnSpc="1">
+            <a:prstTxWarp prst="textNoShape">
+              <a:avLst/>
+            </a:prstTxWarp>
+            <a:noAutofit/>
+          </a:bodyPr>
+          <a:lstStyle/>
+          <a:p>
+            <a:pPr algn="ctr"/>
+            <a:r>
+              <a:rPr lang="bg-BG" sz="2400" b="1" dirty="0">
+                <a:solidFill>
+                  <a:srgbClr val="FFFFFF"/>
+                </a:solidFill>
+              </a:rPr>
+              <a:t>Извикваме </a:t>
+            </a:r>
+            <a:r>
+              <a:rPr lang="bg-BG" sz="2400" b="1" dirty="0" err="1">
+                <a:solidFill>
+                  <a:srgbClr val="FFFFFF"/>
+                </a:solidFill>
+              </a:rPr>
+              <a:t>обработчика</a:t>
+            </a:r>
+            <a:r>
+              <a:rPr lang="bg-BG" sz="2400" b="1" dirty="0">
+                <a:solidFill>
+                  <a:srgbClr val="FFFFFF"/>
+                </a:solidFill>
+              </a:rPr>
+              <a:t> на събитието (ако има)</a:t>
+            </a:r>
           </a:p>
         </p:txBody>
       </p:sp>
@@ -21219,6 +21405,335 @@
                       </p:childTnLst>
                     </p:cTn>
                   </p:par>
+                  <p:par>
+                    <p:cTn id="11" fill="hold">
+                      <p:stCondLst>
+                        <p:cond delay="indefinite"/>
+                      </p:stCondLst>
+                      <p:childTnLst>
+                        <p:par>
+                          <p:cTn id="12" fill="hold">
+                            <p:stCondLst>
+                              <p:cond delay="0"/>
+                            </p:stCondLst>
+                            <p:childTnLst>
+                              <p:par>
+                                <p:cTn id="13" presetID="1" presetClass="entr" presetSubtype="0" fill="hold" nodeType="clickEffect">
+                                  <p:stCondLst>
+                                    <p:cond delay="0"/>
+                                  </p:stCondLst>
+                                  <p:childTnLst>
+                                    <p:set>
+                                      <p:cBhvr>
+                                        <p:cTn id="14" dur="1" fill="hold">
+                                          <p:stCondLst>
+                                            <p:cond delay="0"/>
+                                          </p:stCondLst>
+                                        </p:cTn>
+                                        <p:tgtEl>
+                                          <p:spTgt spid="10">
+                                            <p:txEl>
+                                              <p:pRg st="6" end="6"/>
+                                            </p:txEl>
+                                          </p:spTgt>
+                                        </p:tgtEl>
+                                        <p:attrNameLst>
+                                          <p:attrName>style.visibility</p:attrName>
+                                        </p:attrNameLst>
+                                      </p:cBhvr>
+                                      <p:to>
+                                        <p:strVal val="visible"/>
+                                      </p:to>
+                                    </p:set>
+                                  </p:childTnLst>
+                                </p:cTn>
+                              </p:par>
+                              <p:par>
+                                <p:cTn id="15" presetID="1" presetClass="entr" presetSubtype="0" fill="hold" nodeType="withEffect">
+                                  <p:stCondLst>
+                                    <p:cond delay="0"/>
+                                  </p:stCondLst>
+                                  <p:childTnLst>
+                                    <p:set>
+                                      <p:cBhvr>
+                                        <p:cTn id="16" dur="1" fill="hold">
+                                          <p:stCondLst>
+                                            <p:cond delay="0"/>
+                                          </p:stCondLst>
+                                        </p:cTn>
+                                        <p:tgtEl>
+                                          <p:spTgt spid="10">
+                                            <p:txEl>
+                                              <p:pRg st="7" end="7"/>
+                                            </p:txEl>
+                                          </p:spTgt>
+                                        </p:tgtEl>
+                                        <p:attrNameLst>
+                                          <p:attrName>style.visibility</p:attrName>
+                                        </p:attrNameLst>
+                                      </p:cBhvr>
+                                      <p:to>
+                                        <p:strVal val="visible"/>
+                                      </p:to>
+                                    </p:set>
+                                  </p:childTnLst>
+                                </p:cTn>
+                              </p:par>
+                              <p:par>
+                                <p:cTn id="17" presetID="1" presetClass="entr" presetSubtype="0" fill="hold" nodeType="withEffect">
+                                  <p:stCondLst>
+                                    <p:cond delay="0"/>
+                                  </p:stCondLst>
+                                  <p:childTnLst>
+                                    <p:set>
+                                      <p:cBhvr>
+                                        <p:cTn id="18" dur="1" fill="hold">
+                                          <p:stCondLst>
+                                            <p:cond delay="0"/>
+                                          </p:stCondLst>
+                                        </p:cTn>
+                                        <p:tgtEl>
+                                          <p:spTgt spid="10">
+                                            <p:txEl>
+                                              <p:pRg st="9" end="9"/>
+                                            </p:txEl>
+                                          </p:spTgt>
+                                        </p:tgtEl>
+                                        <p:attrNameLst>
+                                          <p:attrName>style.visibility</p:attrName>
+                                        </p:attrNameLst>
+                                      </p:cBhvr>
+                                      <p:to>
+                                        <p:strVal val="visible"/>
+                                      </p:to>
+                                    </p:set>
+                                  </p:childTnLst>
+                                </p:cTn>
+                              </p:par>
+                              <p:par>
+                                <p:cTn id="19" presetID="1" presetClass="entr" presetSubtype="0" fill="hold" nodeType="withEffect">
+                                  <p:stCondLst>
+                                    <p:cond delay="0"/>
+                                  </p:stCondLst>
+                                  <p:childTnLst>
+                                    <p:set>
+                                      <p:cBhvr>
+                                        <p:cTn id="20" dur="1" fill="hold">
+                                          <p:stCondLst>
+                                            <p:cond delay="0"/>
+                                          </p:stCondLst>
+                                        </p:cTn>
+                                        <p:tgtEl>
+                                          <p:spTgt spid="10">
+                                            <p:txEl>
+                                              <p:pRg st="10" end="10"/>
+                                            </p:txEl>
+                                          </p:spTgt>
+                                        </p:tgtEl>
+                                        <p:attrNameLst>
+                                          <p:attrName>style.visibility</p:attrName>
+                                        </p:attrNameLst>
+                                      </p:cBhvr>
+                                      <p:to>
+                                        <p:strVal val="visible"/>
+                                      </p:to>
+                                    </p:set>
+                                  </p:childTnLst>
+                                </p:cTn>
+                              </p:par>
+                            </p:childTnLst>
+                          </p:cTn>
+                        </p:par>
+                      </p:childTnLst>
+                    </p:cTn>
+                  </p:par>
+                  <p:par>
+                    <p:cTn id="21" fill="hold">
+                      <p:stCondLst>
+                        <p:cond delay="indefinite"/>
+                      </p:stCondLst>
+                      <p:childTnLst>
+                        <p:par>
+                          <p:cTn id="22" fill="hold">
+                            <p:stCondLst>
+                              <p:cond delay="0"/>
+                            </p:stCondLst>
+                            <p:childTnLst>
+                              <p:par>
+                                <p:cTn id="23" presetID="1" presetClass="entr" presetSubtype="0" fill="hold" grpId="0" nodeType="clickEffect">
+                                  <p:stCondLst>
+                                    <p:cond delay="0"/>
+                                  </p:stCondLst>
+                                  <p:childTnLst>
+                                    <p:set>
+                                      <p:cBhvr>
+                                        <p:cTn id="24" dur="1" fill="hold">
+                                          <p:stCondLst>
+                                            <p:cond delay="0"/>
+                                          </p:stCondLst>
+                                        </p:cTn>
+                                        <p:tgtEl>
+                                          <p:spTgt spid="2"/>
+                                        </p:tgtEl>
+                                        <p:attrNameLst>
+                                          <p:attrName>style.visibility</p:attrName>
+                                        </p:attrNameLst>
+                                      </p:cBhvr>
+                                      <p:to>
+                                        <p:strVal val="visible"/>
+                                      </p:to>
+                                    </p:set>
+                                  </p:childTnLst>
+                                </p:cTn>
+                              </p:par>
+                            </p:childTnLst>
+                          </p:cTn>
+                        </p:par>
+                      </p:childTnLst>
+                    </p:cTn>
+                  </p:par>
+                  <p:par>
+                    <p:cTn id="25" fill="hold">
+                      <p:stCondLst>
+                        <p:cond delay="indefinite"/>
+                      </p:stCondLst>
+                      <p:childTnLst>
+                        <p:par>
+                          <p:cTn id="26" fill="hold">
+                            <p:stCondLst>
+                              <p:cond delay="0"/>
+                            </p:stCondLst>
+                            <p:childTnLst>
+                              <p:par>
+                                <p:cTn id="27" presetID="1" presetClass="entr" presetSubtype="0" fill="hold" nodeType="clickEffect">
+                                  <p:stCondLst>
+                                    <p:cond delay="0"/>
+                                  </p:stCondLst>
+                                  <p:childTnLst>
+                                    <p:set>
+                                      <p:cBhvr>
+                                        <p:cTn id="28" dur="1" fill="hold">
+                                          <p:stCondLst>
+                                            <p:cond delay="0"/>
+                                          </p:stCondLst>
+                                        </p:cTn>
+                                        <p:tgtEl>
+                                          <p:spTgt spid="10">
+                                            <p:txEl>
+                                              <p:pRg st="12" end="12"/>
+                                            </p:txEl>
+                                          </p:spTgt>
+                                        </p:tgtEl>
+                                        <p:attrNameLst>
+                                          <p:attrName>style.visibility</p:attrName>
+                                        </p:attrNameLst>
+                                      </p:cBhvr>
+                                      <p:to>
+                                        <p:strVal val="visible"/>
+                                      </p:to>
+                                    </p:set>
+                                  </p:childTnLst>
+                                </p:cTn>
+                              </p:par>
+                              <p:par>
+                                <p:cTn id="29" presetID="1" presetClass="entr" presetSubtype="0" fill="hold" nodeType="withEffect">
+                                  <p:stCondLst>
+                                    <p:cond delay="0"/>
+                                  </p:stCondLst>
+                                  <p:childTnLst>
+                                    <p:set>
+                                      <p:cBhvr>
+                                        <p:cTn id="30" dur="1" fill="hold">
+                                          <p:stCondLst>
+                                            <p:cond delay="0"/>
+                                          </p:stCondLst>
+                                        </p:cTn>
+                                        <p:tgtEl>
+                                          <p:spTgt spid="10">
+                                            <p:txEl>
+                                              <p:pRg st="13" end="13"/>
+                                            </p:txEl>
+                                          </p:spTgt>
+                                        </p:tgtEl>
+                                        <p:attrNameLst>
+                                          <p:attrName>style.visibility</p:attrName>
+                                        </p:attrNameLst>
+                                      </p:cBhvr>
+                                      <p:to>
+                                        <p:strVal val="visible"/>
+                                      </p:to>
+                                    </p:set>
+                                  </p:childTnLst>
+                                </p:cTn>
+                              </p:par>
+                              <p:par>
+                                <p:cTn id="31" presetID="1" presetClass="entr" presetSubtype="0" fill="hold" nodeType="withEffect">
+                                  <p:stCondLst>
+                                    <p:cond delay="0"/>
+                                  </p:stCondLst>
+                                  <p:childTnLst>
+                                    <p:set>
+                                      <p:cBhvr>
+                                        <p:cTn id="32" dur="1" fill="hold">
+                                          <p:stCondLst>
+                                            <p:cond delay="0"/>
+                                          </p:stCondLst>
+                                        </p:cTn>
+                                        <p:tgtEl>
+                                          <p:spTgt spid="10">
+                                            <p:txEl>
+                                              <p:pRg st="14" end="14"/>
+                                            </p:txEl>
+                                          </p:spTgt>
+                                        </p:tgtEl>
+                                        <p:attrNameLst>
+                                          <p:attrName>style.visibility</p:attrName>
+                                        </p:attrNameLst>
+                                      </p:cBhvr>
+                                      <p:to>
+                                        <p:strVal val="visible"/>
+                                      </p:to>
+                                    </p:set>
+                                  </p:childTnLst>
+                                </p:cTn>
+                              </p:par>
+                              <p:par>
+                                <p:cTn id="33" presetID="1" presetClass="entr" presetSubtype="0" fill="hold" nodeType="withEffect">
+                                  <p:stCondLst>
+                                    <p:cond delay="0"/>
+                                  </p:stCondLst>
+                                  <p:childTnLst>
+                                    <p:set>
+                                      <p:cBhvr>
+                                        <p:cTn id="34" dur="1" fill="hold">
+                                          <p:stCondLst>
+                                            <p:cond delay="0"/>
+                                          </p:stCondLst>
+                                        </p:cTn>
+                                        <p:tgtEl>
+                                          <p:spTgt spid="10">
+                                            <p:txEl>
+                                              <p:pRg st="15" end="15"/>
+                                            </p:txEl>
+                                          </p:spTgt>
+                                        </p:tgtEl>
+                                        <p:attrNameLst>
+                                          <p:attrName>style.visibility</p:attrName>
+                                        </p:attrNameLst>
+                                      </p:cBhvr>
+                                      <p:to>
+                                        <p:strVal val="visible"/>
+                                      </p:to>
+                                    </p:set>
+                                  </p:childTnLst>
+                                </p:cTn>
+                              </p:par>
+                            </p:childTnLst>
+                          </p:cTn>
+                        </p:par>
+                      </p:childTnLst>
+                    </p:cTn>
+                  </p:par>
                 </p:childTnLst>
               </p:cTn>
               <p:prevCondLst>
@@ -21243,6 +21758,7 @@
     <p:bldLst>
       <p:bldP spid="7" grpId="0" animBg="1"/>
       <p:bldP spid="8" grpId="0" animBg="1"/>
+      <p:bldP spid="2" grpId="0" animBg="1"/>
     </p:bldLst>
   </p:timing>
 </p:sld>
@@ -21307,7 +21823,7 @@
         </p:nvSpPr>
         <p:spPr>
           <a:xfrm>
-            <a:off x="695401" y="1196753"/>
+            <a:off x="695401" y="1353542"/>
             <a:ext cx="9465067" cy="4831495"/>
           </a:xfrm>
           <a:prstGeom prst="rect">
@@ -21791,8 +22307,8 @@
         </p:nvSpPr>
         <p:spPr bwMode="auto">
           <a:xfrm>
-            <a:off x="5427934" y="3159000"/>
-            <a:ext cx="3672408" cy="863253"/>
+            <a:off x="5415195" y="3337662"/>
+            <a:ext cx="2738066" cy="863253"/>
           </a:xfrm>
           <a:prstGeom prst="wedgeRoundRectCallout">
             <a:avLst>
@@ -21848,7 +22364,7 @@
                   <a:srgbClr val="FFFFFF"/>
                 </a:solidFill>
               </a:rPr>
-              <a:t>Регистрираме със събитие</a:t>
+              <a:t>Абонираме се за събитие</a:t>
             </a:r>
           </a:p>
         </p:txBody>
@@ -21869,7 +22385,7 @@
         </p:blipFill>
         <p:spPr>
           <a:xfrm>
-            <a:off x="8040216" y="5325893"/>
+            <a:off x="8261523" y="5229000"/>
             <a:ext cx="3288954" cy="1096318"/>
           </a:xfrm>
           <a:prstGeom prst="rect">
@@ -22771,7 +23287,7 @@
         </p:nvSpPr>
         <p:spPr>
           <a:xfrm>
-            <a:off x="697406" y="4734000"/>
+            <a:off x="697406" y="4821712"/>
             <a:ext cx="10797188" cy="587288"/>
           </a:xfrm>
           <a:prstGeom prst="rect">
@@ -24515,7 +25031,7 @@
         </p:blipFill>
         <p:spPr>
           <a:xfrm>
-            <a:off x="10091619" y="4287424"/>
+            <a:off x="9561000" y="4351125"/>
             <a:ext cx="2028825" cy="2047875"/>
           </a:xfrm>
           <a:prstGeom prst="rect">
@@ -24539,7 +25055,7 @@
         </p:blipFill>
         <p:spPr>
           <a:xfrm>
-            <a:off x="11315754" y="5311361"/>
+            <a:off x="10785135" y="5375062"/>
             <a:ext cx="360040" cy="437917"/>
           </a:xfrm>
           <a:prstGeom prst="rect">
@@ -24563,8 +25079,8 @@
         </p:nvSpPr>
         <p:spPr>
           <a:xfrm>
-            <a:off x="407367" y="4238706"/>
-            <a:ext cx="9498633" cy="2268294"/>
+            <a:off x="662367" y="4238706"/>
+            <a:ext cx="8538633" cy="2268294"/>
           </a:xfrm>
           <a:prstGeom prst="rect">
             <a:avLst/>
@@ -24878,6 +25394,7 @@
                     <a:lumMod val="75000"/>
                   </a:schemeClr>
                 </a:solidFill>
+                <a:latin typeface="+mn-lt"/>
                 <a:sym typeface="Wingdings" pitchFamily="2" charset="2"/>
               </a:rPr>
               <a:t>Кодът ще бъде изпълнен, когато бутонът се натисне</a:t>
@@ -24888,6 +25405,7 @@
                   <a:lumMod val="75000"/>
                 </a:schemeClr>
               </a:solidFill>
+              <a:latin typeface="+mn-lt"/>
               <a:sym typeface="Wingdings" pitchFamily="2" charset="2"/>
             </a:endParaRPr>
           </a:p>
@@ -25501,15 +26019,22 @@
               <a:rPr lang="en-US" noProof="1">
                 <a:sym typeface="Wingdings" pitchFamily="2" charset="2"/>
               </a:rPr>
-              <a:t>    object sender, MouseButtonEventArgs e)</a:t>
-            </a:r>
-          </a:p>
-          <a:p>
+              <a:t>    object sender, </a:t>
+            </a:r>
+            <a:r>
+              <a:rPr lang="en-US" noProof="1">
+                <a:solidFill>
+                  <a:schemeClr val="bg1"/>
+                </a:solidFill>
+                <a:sym typeface="Wingdings" pitchFamily="2" charset="2"/>
+              </a:rPr>
+              <a:t>MouseButtonEventArgs e</a:t>
+            </a:r>
             <a:r>
               <a:rPr lang="en-US" noProof="1">
                 <a:sym typeface="Wingdings" pitchFamily="2" charset="2"/>
               </a:rPr>
-              <a:t>  {</a:t>
+              <a:t>)</a:t>
             </a:r>
           </a:p>
           <a:p>
@@ -25517,7 +26042,7 @@
               <a:rPr lang="en-US" noProof="1">
                 <a:sym typeface="Wingdings" pitchFamily="2" charset="2"/>
               </a:rPr>
-              <a:t>    MessageBox.Show(string.Format("Mouse clicked at ({0}, {1})",</a:t>
+              <a:t>  {</a:t>
             </a:r>
           </a:p>
           <a:p>
@@ -25525,7 +26050,7 @@
               <a:rPr lang="en-US" noProof="1">
                 <a:sym typeface="Wingdings" pitchFamily="2" charset="2"/>
               </a:rPr>
-              <a:t>    e.MouseDevice.GetPosition(this).X,  </a:t>
+              <a:t>    MessageBox.Show(string.Format("Mouse clicked at ({0}, {1})",</a:t>
             </a:r>
           </a:p>
           <a:p>
@@ -25533,7 +26058,45 @@
               <a:rPr lang="en-US" noProof="1">
                 <a:sym typeface="Wingdings" pitchFamily="2" charset="2"/>
               </a:rPr>
-              <a:t>    e.MouseDevice.GetPosition(this).Y));</a:t>
+              <a:t>    </a:t>
+            </a:r>
+            <a:r>
+              <a:rPr lang="en-US" noProof="1">
+                <a:solidFill>
+                  <a:schemeClr val="bg1"/>
+                </a:solidFill>
+                <a:sym typeface="Wingdings" pitchFamily="2" charset="2"/>
+              </a:rPr>
+              <a:t>e</a:t>
+            </a:r>
+            <a:r>
+              <a:rPr lang="en-US" noProof="1">
+                <a:sym typeface="Wingdings" pitchFamily="2" charset="2"/>
+              </a:rPr>
+              <a:t>.MouseDevice.GetPosition(this).X,  </a:t>
+            </a:r>
+          </a:p>
+          <a:p>
+            <a:r>
+              <a:rPr lang="en-US" noProof="1">
+                <a:sym typeface="Wingdings" pitchFamily="2" charset="2"/>
+              </a:rPr>
+              <a:t>    </a:t>
+            </a:r>
+            <a:r>
+              <a:rPr lang="en-US" noProof="1">
+                <a:solidFill>
+                  <a:schemeClr val="bg1"/>
+                </a:solidFill>
+                <a:sym typeface="Wingdings" pitchFamily="2" charset="2"/>
+              </a:rPr>
+              <a:t>e</a:t>
+            </a:r>
+            <a:r>
+              <a:rPr lang="en-US" noProof="1">
+                <a:sym typeface="Wingdings" pitchFamily="2" charset="2"/>
+              </a:rPr>
+              <a:t>.MouseDevice.GetPosition(this).Y));</a:t>
             </a:r>
           </a:p>
           <a:p>
@@ -25624,7 +26187,7 @@
                   <a:srgbClr val="FFFFFF"/>
                 </a:solidFill>
               </a:rPr>
-              <a:t>Получава информация за клика</a:t>
+              <a:t>Получаваме информация за клика</a:t>
             </a:r>
             <a:endParaRPr lang="en-US" sz="2400" b="1" dirty="0">
               <a:solidFill>
@@ -26243,6 +26806,35 @@
       </p:sp>
       <p:sp>
         <p:nvSpPr>
+          <p:cNvPr id="4" name="Subtitle 3">
+            <a:extLst>
+              <a:ext uri="{FF2B5EF4-FFF2-40B4-BE49-F238E27FC236}">
+                <a16:creationId xmlns:a16="http://schemas.microsoft.com/office/drawing/2014/main" id="{A839FB99-4B41-568B-9566-F7F05955A0AF}"/>
+              </a:ext>
+            </a:extLst>
+          </p:cNvPr>
+          <p:cNvSpPr>
+            <a:spLocks noGrp="1"/>
+          </p:cNvSpPr>
+          <p:nvPr>
+            <p:ph type="subTitle" sz="quarter" idx="11"/>
+          </p:nvPr>
+        </p:nvSpPr>
+        <p:spPr/>
+        <p:txBody>
+          <a:bodyPr/>
+          <a:lstStyle/>
+          <a:p>
+            <a:r>
+              <a:rPr lang="bg-BG" dirty="0"/>
+              <a:t>Функции и действия</a:t>
+            </a:r>
+            <a:endParaRPr lang="en-US" dirty="0"/>
+          </a:p>
+        </p:txBody>
+      </p:sp>
+      <p:sp>
+        <p:nvSpPr>
           <p:cNvPr id="6" name="Title 5">
             <a:extLst>
               <a:ext uri="{FF2B5EF4-FFF2-40B4-BE49-F238E27FC236}">
@@ -26422,9 +27014,18 @@
           <a:lstStyle/>
           <a:p>
             <a:r>
+              <a:rPr lang="bg-BG" dirty="0"/>
+              <a:t>Цикъл за събитията (</a:t>
+            </a:r>
+            <a:r>
               <a:rPr lang="en-US" dirty="0"/>
               <a:t>Event Loop</a:t>
             </a:r>
+            <a:r>
+              <a:rPr lang="bg-BG" dirty="0"/>
+              <a:t>)</a:t>
+            </a:r>
+            <a:endParaRPr lang="en-US" dirty="0"/>
           </a:p>
         </p:txBody>
       </p:sp>
@@ -31987,8 +32588,8 @@
         </p:nvSpPr>
         <p:spPr>
           <a:xfrm>
-            <a:off x="659791" y="1675840"/>
-            <a:ext cx="11094827" cy="4705489"/>
+            <a:off x="871086" y="1675840"/>
+            <a:ext cx="10579914" cy="4705489"/>
           </a:xfrm>
           <a:prstGeom prst="rect">
             <a:avLst/>
@@ -32323,12 +32924,36 @@
               </a:buClr>
             </a:pPr>
             <a:r>
+              <a:rPr lang="en-US" sz="3200" b="1" dirty="0">
+                <a:solidFill>
+                  <a:schemeClr val="bg1">
+                    <a:lumMod val="60000"/>
+                    <a:lumOff val="40000"/>
+                  </a:schemeClr>
+                </a:solidFill>
+                <a:latin typeface="Consolas" panose="020B0609020204030204" pitchFamily="49" charset="0"/>
+              </a:rPr>
+              <a:t>Action&lt;T&gt;</a:t>
+            </a:r>
+            <a:r>
               <a:rPr lang="en-US" sz="3200" dirty="0">
                 <a:solidFill>
                   <a:schemeClr val="bg2"/>
                 </a:solidFill>
               </a:rPr>
-              <a:t>Action&lt;T&gt;, </a:t>
+              <a:t>, </a:t>
+            </a:r>
+            <a:r>
+              <a:rPr lang="en-US" sz="3200" b="1" noProof="1">
+                <a:solidFill>
+                  <a:schemeClr val="bg1">
+                    <a:lumMod val="60000"/>
+                    <a:lumOff val="40000"/>
+                  </a:schemeClr>
+                </a:solidFill>
+                <a:latin typeface="Consolas" panose="020B0609020204030204" pitchFamily="49" charset="0"/>
+              </a:rPr>
+              <a:t>Func&lt;T, TResult&gt;</a:t>
             </a:r>
             <a:r>
               <a:rPr lang="en-US" sz="3200" noProof="1">
@@ -32336,13 +32961,17 @@
                   <a:schemeClr val="bg2"/>
                 </a:solidFill>
               </a:rPr>
-              <a:t>Func&lt;T, TResult&gt; and </a:t>
-            </a:r>
-            <a:r>
-              <a:rPr lang="en-US" sz="3200" dirty="0">
-                <a:solidFill>
-                  <a:schemeClr val="bg2"/>
-                </a:solidFill>
+              <a:t> and </a:t>
+            </a:r>
+            <a:r>
+              <a:rPr lang="en-US" sz="3200" b="1" dirty="0">
+                <a:solidFill>
+                  <a:schemeClr val="bg1">
+                    <a:lumMod val="60000"/>
+                    <a:lumOff val="40000"/>
+                  </a:schemeClr>
+                </a:solidFill>
+                <a:latin typeface="Consolas" panose="020B0609020204030204" pitchFamily="49" charset="0"/>
               </a:rPr>
               <a:t>Predicate&lt;T&gt;</a:t>
             </a:r>
@@ -33273,21 +33902,21 @@
             </a:r>
             <a:r>
               <a:rPr lang="bg-BG" sz="3200" dirty="0"/>
-              <a:t>е тип, който представлява референция към метод с конкретен списък от параметри и тип на връщаната стойност</a:t>
-            </a:r>
-          </a:p>
-          <a:p>
-            <a:pPr>
+              <a:t>е тип данни, който съдържа референция към метод с конкретен списък от параметри и тип на връщаната стойност</a:t>
+            </a:r>
+          </a:p>
+          <a:p>
+            <a:pPr lvl="1">
               <a:buClr>
                 <a:schemeClr val="tx1"/>
               </a:buClr>
             </a:pPr>
             <a:r>
-              <a:rPr lang="bg-BG" sz="3200" dirty="0"/>
+              <a:rPr lang="bg-BG" sz="3000" dirty="0"/>
               <a:t>Използва се, за да се подават</a:t>
             </a:r>
             <a:r>
-              <a:rPr lang="en-US" sz="3200" b="1" dirty="0">
+              <a:rPr lang="en-US" sz="3000" b="1" dirty="0">
                 <a:solidFill>
                   <a:schemeClr val="bg1"/>
                 </a:solidFill>
@@ -33295,7 +33924,7 @@
               <a:t> </a:t>
             </a:r>
             <a:r>
-              <a:rPr lang="bg-BG" sz="3200" b="1" dirty="0">
+              <a:rPr lang="bg-BG" sz="3000" b="1" dirty="0">
                 <a:solidFill>
                   <a:schemeClr val="bg1"/>
                 </a:solidFill>
@@ -33303,7 +33932,7 @@
               <a:t>методи</a:t>
             </a:r>
             <a:r>
-              <a:rPr lang="en-US" sz="3200" b="1" dirty="0">
+              <a:rPr lang="en-US" sz="3000" b="1" dirty="0">
                 <a:solidFill>
                   <a:schemeClr val="bg1"/>
                 </a:solidFill>
@@ -33311,7 +33940,7 @@
               <a:t> </a:t>
             </a:r>
             <a:r>
-              <a:rPr lang="bg-BG" sz="3200" b="1" dirty="0">
+              <a:rPr lang="bg-BG" sz="3000" b="1" dirty="0">
                 <a:solidFill>
                   <a:schemeClr val="bg1"/>
                 </a:solidFill>
@@ -33319,33 +33948,33 @@
               <a:t>като аргументи</a:t>
             </a:r>
             <a:r>
-              <a:rPr lang="en-US" sz="3200" dirty="0"/>
+              <a:rPr lang="en-US" sz="3000" dirty="0"/>
               <a:t> </a:t>
             </a:r>
             <a:r>
-              <a:rPr lang="bg-BG" sz="3200" dirty="0"/>
-              <a:t>на други методи</a:t>
-            </a:r>
-          </a:p>
-          <a:p>
-            <a:pPr>
+              <a:rPr lang="bg-BG" sz="3000" dirty="0"/>
+              <a:t>на други методи (на метод подаваме друг метод като параметър)</a:t>
+            </a:r>
+          </a:p>
+          <a:p>
+            <a:pPr lvl="1">
               <a:buClr>
                 <a:schemeClr val="tx1"/>
               </a:buClr>
             </a:pPr>
             <a:r>
-              <a:rPr lang="bg-BG" sz="3200" dirty="0"/>
+              <a:rPr lang="bg-BG" sz="3000" dirty="0"/>
               <a:t>Може да се използва, за да се дефинират </a:t>
             </a:r>
             <a:r>
-              <a:rPr lang="en-US" sz="3200" dirty="0"/>
+              <a:rPr lang="en-US" sz="3000" b="1" dirty="0"/>
               <a:t>callback</a:t>
             </a:r>
             <a:r>
-              <a:rPr lang="bg-BG" sz="3200" dirty="0"/>
+              <a:rPr lang="bg-BG" sz="3000" dirty="0"/>
               <a:t> методи</a:t>
             </a:r>
-            <a:endParaRPr lang="en-US" sz="3200" dirty="0"/>
+            <a:endParaRPr lang="en-US" sz="3000" dirty="0"/>
           </a:p>
         </p:txBody>
       </p:sp>
@@ -33900,7 +34529,7 @@
             </a:pPr>
             <a:r>
               <a:rPr lang="bg-BG" sz="2900" dirty="0"/>
-              <a:t>Инициализация на функцията:</a:t>
+              <a:t>Дефиниране на делегат (функция):</a:t>
             </a:r>
             <a:endParaRPr lang="en-US" sz="2900" dirty="0"/>
           </a:p>
@@ -33941,6 +34570,12 @@
               <a:lnSpc>
                 <a:spcPct val="100000"/>
               </a:lnSpc>
+              <a:spcBef>
+                <a:spcPts val="400"/>
+              </a:spcBef>
+              <a:spcAft>
+                <a:spcPts val="400"/>
+              </a:spcAft>
             </a:pPr>
             <a:r>
               <a:rPr lang="bg-BG" sz="2900" dirty="0"/>
@@ -33965,6 +34600,12 @@
               <a:lnSpc>
                 <a:spcPct val="100000"/>
               </a:lnSpc>
+              <a:spcBef>
+                <a:spcPts val="400"/>
+              </a:spcBef>
+              <a:spcAft>
+                <a:spcPts val="400"/>
+              </a:spcAft>
             </a:pPr>
             <a:r>
               <a:rPr lang="bg-BG" sz="2900" dirty="0"/>
@@ -33976,7 +34617,7 @@
                   <a:schemeClr val="bg1"/>
                 </a:solidFill>
               </a:rPr>
-              <a:t>трябва да бъде същият като декларирания тип</a:t>
+              <a:t>трябва да бъдат същите като декларирания тип</a:t>
             </a:r>
             <a:endParaRPr lang="en-US" sz="2900" b="1" dirty="0">
               <a:solidFill>
@@ -33989,6 +34630,12 @@
               <a:lnSpc>
                 <a:spcPct val="100000"/>
               </a:lnSpc>
+              <a:spcBef>
+                <a:spcPts val="400"/>
+              </a:spcBef>
+              <a:spcAft>
+                <a:spcPts val="400"/>
+              </a:spcAft>
               <a:buClr>
                 <a:schemeClr val="tx1"/>
               </a:buClr>
@@ -34166,13 +34813,13 @@
         </p:nvSpPr>
         <p:spPr bwMode="auto">
           <a:xfrm>
-            <a:off x="78454" y="2029518"/>
+            <a:off x="462995" y="1989000"/>
             <a:ext cx="2303005" cy="576931"/>
           </a:xfrm>
           <a:prstGeom prst="wedgeRoundRectCallout">
             <a:avLst>
-              <a:gd name="adj1" fmla="val 66962"/>
-              <a:gd name="adj2" fmla="val 97958"/>
+              <a:gd name="adj1" fmla="val 56585"/>
+              <a:gd name="adj2" fmla="val 99759"/>
               <a:gd name="adj3" fmla="val 16667"/>
             </a:avLst>
           </a:prstGeom>
@@ -34284,8 +34931,8 @@
         </p:nvSpPr>
         <p:spPr bwMode="auto">
           <a:xfrm>
-            <a:off x="6815814" y="1524497"/>
-            <a:ext cx="3498569" cy="635243"/>
+            <a:off x="7250835" y="1524497"/>
+            <a:ext cx="2628526" cy="635243"/>
           </a:xfrm>
           <a:prstGeom prst="wedgeRoundRectCallout">
             <a:avLst>
@@ -34508,7 +35155,7 @@
         </p:nvSpPr>
         <p:spPr bwMode="auto">
           <a:xfrm>
-            <a:off x="2991810" y="2023812"/>
+            <a:off x="3181861" y="1988999"/>
             <a:ext cx="2609190" cy="576931"/>
           </a:xfrm>
           <a:prstGeom prst="wedgeRoundRectCallout">
@@ -35245,11 +35892,27 @@
             </a:r>
             <a:r>
               <a:rPr lang="en-US" dirty="0"/>
-              <a:t> void </a:t>
+              <a:t> </a:t>
+            </a:r>
+            <a:r>
+              <a:rPr lang="en-US" b="1" dirty="0"/>
+              <a:t>void</a:t>
+            </a:r>
+            <a:r>
+              <a:rPr lang="en-US" dirty="0"/>
+              <a:t> </a:t>
             </a:r>
             <a:r>
               <a:rPr lang="bg-BG" dirty="0"/>
-              <a:t>метод</a:t>
+              <a:t>метод (</a:t>
+            </a:r>
+            <a:r>
+              <a:rPr lang="bg-BG" b="1" dirty="0"/>
+              <a:t>действие</a:t>
+            </a:r>
+            <a:r>
+              <a:rPr lang="bg-BG" dirty="0"/>
+              <a:t>)</a:t>
             </a:r>
             <a:r>
               <a:rPr lang="en-US" dirty="0"/>
@@ -35465,7 +36128,7 @@
         </p:nvSpPr>
         <p:spPr bwMode="auto">
           <a:xfrm>
-            <a:off x="695401" y="3717033"/>
+            <a:off x="695401" y="3757833"/>
             <a:ext cx="8481791" cy="976167"/>
           </a:xfrm>
           <a:prstGeom prst="rect">
@@ -35582,7 +36245,7 @@
         </p:nvSpPr>
         <p:spPr bwMode="auto">
           <a:xfrm>
-            <a:off x="695401" y="5418046"/>
+            <a:off x="695401" y="5492064"/>
             <a:ext cx="8481791" cy="996936"/>
           </a:xfrm>
           <a:prstGeom prst="rect">
@@ -36068,7 +36731,7 @@
         </p:nvSpPr>
         <p:spPr bwMode="auto">
           <a:xfrm>
-            <a:off x="7855238" y="4222484"/>
+            <a:off x="7855238" y="4296774"/>
             <a:ext cx="948516" cy="1101911"/>
           </a:xfrm>
           <a:prstGeom prst="rect">
@@ -36270,7 +36933,7 @@
         </p:nvSpPr>
         <p:spPr bwMode="auto">
           <a:xfrm>
-            <a:off x="7855239" y="5655339"/>
+            <a:off x="7855239" y="5589000"/>
             <a:ext cx="948516" cy="1101911"/>
           </a:xfrm>
           <a:prstGeom prst="rect">
@@ -36345,7 +37008,7 @@
         </p:nvSpPr>
         <p:spPr bwMode="auto">
           <a:xfrm>
-            <a:off x="696000" y="5895855"/>
+            <a:off x="696000" y="5816035"/>
             <a:ext cx="5986133" cy="648828"/>
           </a:xfrm>
           <a:prstGeom prst="rect">
@@ -36400,7 +37063,7 @@
         </p:nvSpPr>
         <p:spPr bwMode="auto">
           <a:xfrm>
-            <a:off x="7017300" y="6029817"/>
+            <a:off x="7017300" y="5949997"/>
             <a:ext cx="495171" cy="380901"/>
           </a:xfrm>
           <a:prstGeom prst="rightArrow">
@@ -37885,7 +38548,7 @@
         </p:nvSpPr>
         <p:spPr bwMode="auto">
           <a:xfrm>
-            <a:off x="695400" y="3916907"/>
+            <a:off x="695400" y="4097598"/>
             <a:ext cx="5693836" cy="1101911"/>
           </a:xfrm>
           <a:prstGeom prst="rect">
@@ -37940,7 +38603,7 @@
         </p:nvSpPr>
         <p:spPr bwMode="auto">
           <a:xfrm>
-            <a:off x="7357890" y="3901261"/>
+            <a:off x="7357890" y="4081952"/>
             <a:ext cx="2245188" cy="1101911"/>
           </a:xfrm>
           <a:prstGeom prst="rect">
@@ -38017,7 +38680,7 @@
         </p:blipFill>
         <p:spPr>
           <a:xfrm>
-            <a:off x="6611695" y="4237689"/>
+            <a:off x="6611695" y="4418380"/>
             <a:ext cx="523739" cy="438036"/>
           </a:xfrm>
           <a:prstGeom prst="rect">
@@ -38041,7 +38704,7 @@
         </p:nvSpPr>
         <p:spPr bwMode="auto">
           <a:xfrm>
-            <a:off x="695400" y="5421915"/>
+            <a:off x="695400" y="5602606"/>
             <a:ext cx="5693836" cy="648828"/>
           </a:xfrm>
           <a:prstGeom prst="rect">
@@ -38102,7 +38765,7 @@
         </p:nvSpPr>
         <p:spPr bwMode="auto">
           <a:xfrm>
-            <a:off x="7357890" y="5434481"/>
+            <a:off x="7357890" y="5615172"/>
             <a:ext cx="2245188" cy="648828"/>
           </a:xfrm>
           <a:prstGeom prst="rect">
@@ -38165,7 +38828,7 @@
         </p:blipFill>
         <p:spPr>
           <a:xfrm>
-            <a:off x="6610661" y="5488867"/>
+            <a:off x="6610661" y="5669558"/>
             <a:ext cx="523739" cy="438036"/>
           </a:xfrm>
           <a:prstGeom prst="rect">

--- a/Courses/Software-Sciences/Module-1-OOP-New/14-Delegates-and-Events/14-Delegates-and-Events.pptx
+++ b/Courses/Software-Sciences/Module-1-OOP-New/14-Delegates-and-Events/14-Delegates-and-Events.pptx
@@ -325,7 +325,7 @@
           <a:p>
             <a:fld id="{4E087215-0C8F-4762-A664-737A353EC9A4}" type="datetimeFigureOut">
               <a:rPr lang="bg-BG" smtClean="0"/>
-              <a:t>13.1.2023 г.</a:t>
+              <a:t>18.01.23 г.</a:t>
             </a:fld>
             <a:endParaRPr lang="bg-BG"/>
           </a:p>
@@ -516,7 +516,7 @@
           <a:p>
             <a:fld id="{72D84649-876A-46C9-8472-14CB09C070D8}" type="datetimeFigureOut">
               <a:rPr lang="en-US" smtClean="0"/>
-              <a:t>13-Jan-23</a:t>
+              <a:t>1/18/23</a:t>
             </a:fld>
             <a:endParaRPr lang="en-US"/>
           </a:p>
